--- a/session-2.pptx
+++ b/session-2.pptx
@@ -232,7 +232,7 @@
           <a:p>
             <a:fld id="{300A747A-5E38-4925-876B-013D41839A7E}" type="datetimeFigureOut">
               <a:rPr lang="en-IN" smtClean="0"/>
-              <a:t>21-02-2023</a:t>
+              <a:t>22-02-2023</a:t>
             </a:fld>
             <a:endParaRPr lang="en-IN" dirty="0"/>
           </a:p>
@@ -398,7 +398,7 @@
           <a:p>
             <a:fld id="{4547EB68-0742-4B2F-948E-4B0FADD70980}" type="datetimeFigureOut">
               <a:rPr lang="en-IN" smtClean="0"/>
-              <a:t>21-02-2023</a:t>
+              <a:t>22-02-2023</a:t>
             </a:fld>
             <a:endParaRPr lang="en-IN" dirty="0"/>
           </a:p>
@@ -2256,7 +2256,7 @@
           <a:p>
             <a:fld id="{7E3D4EF1-0385-43D3-A179-699E3F2FE344}" type="datetime1">
               <a:rPr lang="en-IN" smtClean="0"/>
-              <a:t>21-02-2023</a:t>
+              <a:t>22-02-2023</a:t>
             </a:fld>
             <a:endParaRPr lang="en-IN" dirty="0"/>
           </a:p>
@@ -2456,7 +2456,7 @@
           <a:p>
             <a:fld id="{E77149FA-BDEC-4707-823E-DFB1E44AE5F4}" type="datetime1">
               <a:rPr lang="en-IN" smtClean="0"/>
-              <a:t>21-02-2023</a:t>
+              <a:t>22-02-2023</a:t>
             </a:fld>
             <a:endParaRPr lang="en-IN" dirty="0"/>
           </a:p>
@@ -2666,7 +2666,7 @@
           <a:p>
             <a:fld id="{EAD43BF4-166F-494C-B1CD-8C096B96C2BB}" type="datetime1">
               <a:rPr lang="en-IN" smtClean="0"/>
-              <a:t>21-02-2023</a:t>
+              <a:t>22-02-2023</a:t>
             </a:fld>
             <a:endParaRPr lang="en-IN" dirty="0"/>
           </a:p>
@@ -2866,7 +2866,7 @@
           <a:p>
             <a:fld id="{891D1A02-F125-4CE8-A8D4-FB17E5A59BFA}" type="datetime1">
               <a:rPr lang="en-IN" smtClean="0"/>
-              <a:t>21-02-2023</a:t>
+              <a:t>22-02-2023</a:t>
             </a:fld>
             <a:endParaRPr lang="en-IN" dirty="0"/>
           </a:p>
@@ -3142,7 +3142,7 @@
           <a:p>
             <a:fld id="{568C0508-5A6D-46E8-8866-8C14C5809EAE}" type="datetime1">
               <a:rPr lang="en-IN" smtClean="0"/>
-              <a:t>21-02-2023</a:t>
+              <a:t>22-02-2023</a:t>
             </a:fld>
             <a:endParaRPr lang="en-IN" dirty="0"/>
           </a:p>
@@ -3410,7 +3410,7 @@
           <a:p>
             <a:fld id="{95888D7F-703C-42C4-AECA-2B6A3E0848EF}" type="datetime1">
               <a:rPr lang="en-IN" smtClean="0"/>
-              <a:t>21-02-2023</a:t>
+              <a:t>22-02-2023</a:t>
             </a:fld>
             <a:endParaRPr lang="en-IN" dirty="0"/>
           </a:p>
@@ -3825,7 +3825,7 @@
           <a:p>
             <a:fld id="{20703646-BC15-462D-A874-BB59FDA3225A}" type="datetime1">
               <a:rPr lang="en-IN" smtClean="0"/>
-              <a:t>21-02-2023</a:t>
+              <a:t>22-02-2023</a:t>
             </a:fld>
             <a:endParaRPr lang="en-IN" dirty="0"/>
           </a:p>
@@ -3967,7 +3967,7 @@
           <a:p>
             <a:fld id="{AF6012DD-B10E-4378-AAA7-EA9E456DD7FE}" type="datetime1">
               <a:rPr lang="en-IN" smtClean="0"/>
-              <a:t>21-02-2023</a:t>
+              <a:t>22-02-2023</a:t>
             </a:fld>
             <a:endParaRPr lang="en-IN" dirty="0"/>
           </a:p>
@@ -4080,7 +4080,7 @@
           <a:p>
             <a:fld id="{B5E61FC5-238C-4652-85AB-4AF40FABAFE4}" type="datetime1">
               <a:rPr lang="en-IN" smtClean="0"/>
-              <a:t>21-02-2023</a:t>
+              <a:t>22-02-2023</a:t>
             </a:fld>
             <a:endParaRPr lang="en-IN" dirty="0"/>
           </a:p>
@@ -4393,7 +4393,7 @@
           <a:p>
             <a:fld id="{5B89DA35-D73E-4EB2-8ABD-C7E18D1665B7}" type="datetime1">
               <a:rPr lang="en-IN" smtClean="0"/>
-              <a:t>21-02-2023</a:t>
+              <a:t>22-02-2023</a:t>
             </a:fld>
             <a:endParaRPr lang="en-IN" dirty="0"/>
           </a:p>
@@ -4682,7 +4682,7 @@
           <a:p>
             <a:fld id="{4C574118-1D6D-4AA7-8D44-9632F8077A60}" type="datetime1">
               <a:rPr lang="en-IN" smtClean="0"/>
-              <a:t>21-02-2023</a:t>
+              <a:t>22-02-2023</a:t>
             </a:fld>
             <a:endParaRPr lang="en-IN" dirty="0"/>
           </a:p>
@@ -4925,7 +4925,7 @@
           <a:p>
             <a:fld id="{7C8C7518-60E1-4EE6-9803-C28D14FEE39E}" type="datetime1">
               <a:rPr lang="en-IN" smtClean="0"/>
-              <a:t>21-02-2023</a:t>
+              <a:t>22-02-2023</a:t>
             </a:fld>
             <a:endParaRPr lang="en-IN" dirty="0"/>
           </a:p>
